--- a/図作成用パワーポイント/banmenperplayout.pptx
+++ b/図作成用パワーポイント/banmenperplayout.pptx
@@ -104,6 +104,11 @@
       </a:defRPr>
     </a:lvl9pPr>
   </p:defaultTextStyle>
+  <p:extLst>
+    <p:ext uri="{EFAFB233-063F-42B5-8137-9DF3F51BA10A}">
+      <p15:sldGuideLst xmlns:p15="http://schemas.microsoft.com/office/powerpoint/2012/main"/>
+    </p:ext>
+  </p:extLst>
 </p:presentation>
 </file>
 
@@ -289,11 +294,11 @@
           <c:showPercent val="0"/>
           <c:showBubbleSize val="0"/>
         </c:dLbls>
-        <c:axId val="219779872"/>
-        <c:axId val="219780264"/>
+        <c:axId val="287798752"/>
+        <c:axId val="287796400"/>
       </c:scatterChart>
       <c:valAx>
-        <c:axId val="219779872"/>
+        <c:axId val="287798752"/>
         <c:scaling>
           <c:orientation val="minMax"/>
         </c:scaling>
@@ -350,12 +355,12 @@
             <a:endParaRPr lang="ja-JP"/>
           </a:p>
         </c:txPr>
-        <c:crossAx val="219780264"/>
+        <c:crossAx val="287796400"/>
         <c:crosses val="autoZero"/>
         <c:crossBetween val="midCat"/>
       </c:valAx>
       <c:valAx>
-        <c:axId val="219780264"/>
+        <c:axId val="287796400"/>
         <c:scaling>
           <c:orientation val="minMax"/>
         </c:scaling>
@@ -412,7 +417,7 @@
             <a:endParaRPr lang="ja-JP"/>
           </a:p>
         </c:txPr>
-        <c:crossAx val="219779872"/>
+        <c:crossAx val="287798752"/>
         <c:crosses val="autoZero"/>
         <c:crossBetween val="midCat"/>
       </c:valAx>
@@ -1140,7 +1145,7 @@
           <a:p>
             <a:fld id="{7EAFB8AC-ABF1-4BF1-BDBB-7ECFCABF1B61}" type="datetimeFigureOut">
               <a:rPr kumimoji="1" lang="ja-JP" altLang="en-US" smtClean="0"/>
-              <a:t>2019/7/2</a:t>
+              <a:t>2019/7/8</a:t>
             </a:fld>
             <a:endParaRPr kumimoji="1" lang="ja-JP" altLang="en-US"/>
           </a:p>
@@ -1342,7 +1347,7 @@
           <a:p>
             <a:fld id="{7EAFB8AC-ABF1-4BF1-BDBB-7ECFCABF1B61}" type="datetimeFigureOut">
               <a:rPr kumimoji="1" lang="ja-JP" altLang="en-US" smtClean="0"/>
-              <a:t>2019/7/2</a:t>
+              <a:t>2019/7/8</a:t>
             </a:fld>
             <a:endParaRPr kumimoji="1" lang="ja-JP" altLang="en-US"/>
           </a:p>
@@ -1554,7 +1559,7 @@
           <a:p>
             <a:fld id="{7EAFB8AC-ABF1-4BF1-BDBB-7ECFCABF1B61}" type="datetimeFigureOut">
               <a:rPr kumimoji="1" lang="ja-JP" altLang="en-US" smtClean="0"/>
-              <a:t>2019/7/2</a:t>
+              <a:t>2019/7/8</a:t>
             </a:fld>
             <a:endParaRPr kumimoji="1" lang="ja-JP" altLang="en-US"/>
           </a:p>
@@ -1756,7 +1761,7 @@
           <a:p>
             <a:fld id="{7EAFB8AC-ABF1-4BF1-BDBB-7ECFCABF1B61}" type="datetimeFigureOut">
               <a:rPr kumimoji="1" lang="ja-JP" altLang="en-US" smtClean="0"/>
-              <a:t>2019/7/2</a:t>
+              <a:t>2019/7/8</a:t>
             </a:fld>
             <a:endParaRPr kumimoji="1" lang="ja-JP" altLang="en-US"/>
           </a:p>
@@ -2002,7 +2007,7 @@
           <a:p>
             <a:fld id="{7EAFB8AC-ABF1-4BF1-BDBB-7ECFCABF1B61}" type="datetimeFigureOut">
               <a:rPr kumimoji="1" lang="ja-JP" altLang="en-US" smtClean="0"/>
-              <a:t>2019/7/2</a:t>
+              <a:t>2019/7/8</a:t>
             </a:fld>
             <a:endParaRPr kumimoji="1" lang="ja-JP" altLang="en-US"/>
           </a:p>
@@ -2298,7 +2303,7 @@
           <a:p>
             <a:fld id="{7EAFB8AC-ABF1-4BF1-BDBB-7ECFCABF1B61}" type="datetimeFigureOut">
               <a:rPr kumimoji="1" lang="ja-JP" altLang="en-US" smtClean="0"/>
-              <a:t>2019/7/2</a:t>
+              <a:t>2019/7/8</a:t>
             </a:fld>
             <a:endParaRPr kumimoji="1" lang="ja-JP" altLang="en-US"/>
           </a:p>
@@ -2729,7 +2734,7 @@
           <a:p>
             <a:fld id="{7EAFB8AC-ABF1-4BF1-BDBB-7ECFCABF1B61}" type="datetimeFigureOut">
               <a:rPr kumimoji="1" lang="ja-JP" altLang="en-US" smtClean="0"/>
-              <a:t>2019/7/2</a:t>
+              <a:t>2019/7/8</a:t>
             </a:fld>
             <a:endParaRPr kumimoji="1" lang="ja-JP" altLang="en-US"/>
           </a:p>
@@ -2847,7 +2852,7 @@
           <a:p>
             <a:fld id="{7EAFB8AC-ABF1-4BF1-BDBB-7ECFCABF1B61}" type="datetimeFigureOut">
               <a:rPr kumimoji="1" lang="ja-JP" altLang="en-US" smtClean="0"/>
-              <a:t>2019/7/2</a:t>
+              <a:t>2019/7/8</a:t>
             </a:fld>
             <a:endParaRPr kumimoji="1" lang="ja-JP" altLang="en-US"/>
           </a:p>
@@ -2942,7 +2947,7 @@
           <a:p>
             <a:fld id="{7EAFB8AC-ABF1-4BF1-BDBB-7ECFCABF1B61}" type="datetimeFigureOut">
               <a:rPr kumimoji="1" lang="ja-JP" altLang="en-US" smtClean="0"/>
-              <a:t>2019/7/2</a:t>
+              <a:t>2019/7/8</a:t>
             </a:fld>
             <a:endParaRPr kumimoji="1" lang="ja-JP" altLang="en-US"/>
           </a:p>
@@ -3251,7 +3256,7 @@
           <a:p>
             <a:fld id="{7EAFB8AC-ABF1-4BF1-BDBB-7ECFCABF1B61}" type="datetimeFigureOut">
               <a:rPr kumimoji="1" lang="ja-JP" altLang="en-US" smtClean="0"/>
-              <a:t>2019/7/2</a:t>
+              <a:t>2019/7/8</a:t>
             </a:fld>
             <a:endParaRPr kumimoji="1" lang="ja-JP" altLang="en-US"/>
           </a:p>
@@ -3504,7 +3509,7 @@
           <a:p>
             <a:fld id="{7EAFB8AC-ABF1-4BF1-BDBB-7ECFCABF1B61}" type="datetimeFigureOut">
               <a:rPr kumimoji="1" lang="ja-JP" altLang="en-US" smtClean="0"/>
-              <a:t>2019/7/2</a:t>
+              <a:t>2019/7/8</a:t>
             </a:fld>
             <a:endParaRPr kumimoji="1" lang="ja-JP" altLang="en-US"/>
           </a:p>
@@ -3749,7 +3754,7 @@
           <a:p>
             <a:fld id="{7EAFB8AC-ABF1-4BF1-BDBB-7ECFCABF1B61}" type="datetimeFigureOut">
               <a:rPr kumimoji="1" lang="ja-JP" altLang="en-US" smtClean="0"/>
-              <a:t>2019/7/2</a:t>
+              <a:t>2019/7/8</a:t>
             </a:fld>
             <a:endParaRPr kumimoji="1" lang="ja-JP" altLang="en-US"/>
           </a:p>
@@ -4183,7 +4188,7 @@
           <p:cNvPr id="5" name="テキスト ボックス 4">
             <a:extLst>
               <a:ext uri="{FF2B5EF4-FFF2-40B4-BE49-F238E27FC236}">
-                <a16:creationId xmlns:a16="http://schemas.microsoft.com/office/drawing/2014/main" xmlns="" id="{4AA50F6C-1A65-4ECE-BE58-3776BDAFE1BE}"/>
+                <a16:creationId xmlns="" xmlns:a16="http://schemas.microsoft.com/office/drawing/2014/main" id="{4AA50F6C-1A65-4ECE-BE58-3776BDAFE1BE}"/>
               </a:ext>
             </a:extLst>
           </p:cNvPr>
@@ -4249,7 +4254,7 @@
           <p:cNvPr id="11" name="二等辺三角形 10">
             <a:extLst>
               <a:ext uri="{FF2B5EF4-FFF2-40B4-BE49-F238E27FC236}">
-                <a16:creationId xmlns:a16="http://schemas.microsoft.com/office/drawing/2014/main" xmlns="" xmlns:lc="http://schemas.openxmlformats.org/drawingml/2006/lockedCanvas" id="{11D592AE-89A5-4D14-B11C-CCA625146E32}"/>
+                <a16:creationId xmlns:lc="http://schemas.openxmlformats.org/drawingml/2006/lockedCanvas" xmlns="" xmlns:a16="http://schemas.microsoft.com/office/drawing/2014/main" id="{11D592AE-89A5-4D14-B11C-CCA625146E32}"/>
               </a:ext>
             </a:extLst>
           </p:cNvPr>
@@ -4390,7 +4395,7 @@
           <p:cNvPr id="12" name="テキスト ボックス 11">
             <a:extLst>
               <a:ext uri="{FF2B5EF4-FFF2-40B4-BE49-F238E27FC236}">
-                <a16:creationId xmlns:a16="http://schemas.microsoft.com/office/drawing/2014/main" xmlns="" xmlns:lc="http://schemas.openxmlformats.org/drawingml/2006/lockedCanvas" id="{1D4B7164-57EA-4AA1-9A9A-EECE7BB2DA75}"/>
+                <a16:creationId xmlns:lc="http://schemas.openxmlformats.org/drawingml/2006/lockedCanvas" xmlns="" xmlns:a16="http://schemas.microsoft.com/office/drawing/2014/main" id="{1D4B7164-57EA-4AA1-9A9A-EECE7BB2DA75}"/>
               </a:ext>
             </a:extLst>
           </p:cNvPr>
@@ -4490,7 +4495,7 @@
           <p:cNvPr id="13" name="楕円 5">
             <a:extLst>
               <a:ext uri="{FF2B5EF4-FFF2-40B4-BE49-F238E27FC236}">
-                <a16:creationId xmlns:a16="http://schemas.microsoft.com/office/drawing/2014/main" xmlns="" xmlns:lc="http://schemas.openxmlformats.org/drawingml/2006/lockedCanvas" id="{F70F1D20-AA9C-4123-A3B8-76B1B189FC52}"/>
+                <a16:creationId xmlns:lc="http://schemas.openxmlformats.org/drawingml/2006/lockedCanvas" xmlns="" xmlns:a16="http://schemas.microsoft.com/office/drawing/2014/main" id="{F70F1D20-AA9C-4123-A3B8-76B1B189FC52}"/>
               </a:ext>
             </a:extLst>
           </p:cNvPr>
@@ -4631,7 +4636,7 @@
           <p:cNvPr id="14" name="テキスト ボックス 16">
             <a:extLst>
               <a:ext uri="{FF2B5EF4-FFF2-40B4-BE49-F238E27FC236}">
-                <a16:creationId xmlns:a16="http://schemas.microsoft.com/office/drawing/2014/main" xmlns="" xmlns:lc="http://schemas.openxmlformats.org/drawingml/2006/lockedCanvas" id="{6BDA310D-BA26-485C-92A8-30235A4EFA3C}"/>
+                <a16:creationId xmlns:lc="http://schemas.openxmlformats.org/drawingml/2006/lockedCanvas" xmlns="" xmlns:a16="http://schemas.microsoft.com/office/drawing/2014/main" id="{6BDA310D-BA26-485C-92A8-30235A4EFA3C}"/>
               </a:ext>
             </a:extLst>
           </p:cNvPr>
@@ -4734,8 +4739,8 @@
         </p:nvSpPr>
         <p:spPr>
           <a:xfrm>
-            <a:off x="2929499" y="175703"/>
-            <a:ext cx="6754957" cy="461665"/>
+            <a:off x="2917623" y="234840"/>
+            <a:ext cx="7366407" cy="461665"/>
           </a:xfrm>
           <a:prstGeom prst="rect">
             <a:avLst/>
@@ -4750,7 +4755,11 @@
           <a:p>
             <a:r>
               <a:rPr lang="ja-JP" altLang="en-US" sz="2400" dirty="0" smtClean="0"/>
-              <a:t>盤面のマスの数とプレイアウトに必要な盤面の</a:t>
+              <a:t>盤面のマスの数とプレイアウトに必要な</a:t>
+            </a:r>
+            <a:r>
+              <a:rPr lang="ja-JP" altLang="en-US" sz="2400" dirty="0" smtClean="0"/>
+              <a:t>盤面の数の</a:t>
             </a:r>
             <a:r>
               <a:rPr lang="ja-JP" altLang="en-US" sz="2400" dirty="0"/>
